--- a/PaisaProfit_Final_4(2).pptx
+++ b/PaisaProfit_Final_4(2).pptx
@@ -2394,6 +2394,107 @@
               </a:rPr>
               <a:t>  Finance Made Fun.</a:t>
             </a:r>
+            <a:br>
+              <a:rPr lang="en-US" sz="2200" dirty="0">
+                <a:solidFill>
+                  <a:srgbClr val="808080"/>
+                </a:solidFill>
+                <a:latin typeface="Prata" pitchFamily="34" charset="0"/>
+                <a:ea typeface="Prata" pitchFamily="34" charset="-122"/>
+                <a:cs typeface="Prata" pitchFamily="34" charset="-120"/>
+              </a:rPr>
+            </a:br>
+            <a:endParaRPr lang="en-US" sz="2200" dirty="0">
+              <a:solidFill>
+                <a:srgbClr val="808080"/>
+              </a:solidFill>
+              <a:latin typeface="Prata" pitchFamily="34" charset="0"/>
+              <a:ea typeface="Prata" pitchFamily="34" charset="-122"/>
+              <a:cs typeface="Prata" pitchFamily="34" charset="-120"/>
+            </a:endParaRPr>
+          </a:p>
+          <a:p>
+            <a:pPr marL="0" indent="0" algn="l">
+              <a:lnSpc>
+                <a:spcPts val="2750"/>
+              </a:lnSpc>
+              <a:buNone/>
+            </a:pPr>
+            <a:endParaRPr lang="en-US" sz="2200" dirty="0">
+              <a:solidFill>
+                <a:srgbClr val="808080"/>
+              </a:solidFill>
+              <a:latin typeface="Prata" pitchFamily="34" charset="0"/>
+              <a:ea typeface="Prata" pitchFamily="34" charset="-122"/>
+              <a:cs typeface="Prata" pitchFamily="34" charset="-120"/>
+            </a:endParaRPr>
+          </a:p>
+          <a:p>
+            <a:pPr marL="0" indent="0" algn="l">
+              <a:lnSpc>
+                <a:spcPts val="2750"/>
+              </a:lnSpc>
+              <a:buNone/>
+            </a:pPr>
+            <a:endParaRPr lang="en-US" sz="2200" dirty="0">
+              <a:solidFill>
+                <a:srgbClr val="808080"/>
+              </a:solidFill>
+              <a:latin typeface="Prata" pitchFamily="34" charset="0"/>
+              <a:ea typeface="Prata" pitchFamily="34" charset="-122"/>
+              <a:cs typeface="Prata" pitchFamily="34" charset="-120"/>
+            </a:endParaRPr>
+          </a:p>
+          <a:p>
+            <a:pPr marL="0" indent="0" algn="l">
+              <a:lnSpc>
+                <a:spcPts val="2750"/>
+              </a:lnSpc>
+              <a:buNone/>
+            </a:pPr>
+            <a:endParaRPr lang="en-US" sz="2200" dirty="0">
+              <a:solidFill>
+                <a:srgbClr val="808080"/>
+              </a:solidFill>
+              <a:latin typeface="Prata" pitchFamily="34" charset="0"/>
+              <a:ea typeface="Prata" pitchFamily="34" charset="-122"/>
+              <a:cs typeface="Prata" pitchFamily="34" charset="-120"/>
+            </a:endParaRPr>
+          </a:p>
+          <a:p>
+            <a:pPr marL="0" indent="0" algn="l">
+              <a:lnSpc>
+                <a:spcPts val="2750"/>
+              </a:lnSpc>
+              <a:buNone/>
+            </a:pPr>
+            <a:endParaRPr lang="en-US" sz="2200">
+              <a:solidFill>
+                <a:srgbClr val="808080"/>
+              </a:solidFill>
+              <a:latin typeface="Prata" pitchFamily="34" charset="0"/>
+              <a:ea typeface="Prata" pitchFamily="34" charset="-122"/>
+              <a:cs typeface="Prata" pitchFamily="34" charset="-120"/>
+            </a:endParaRPr>
+          </a:p>
+          <a:p>
+            <a:pPr marL="0" indent="0" algn="l">
+              <a:lnSpc>
+                <a:spcPts val="2750"/>
+              </a:lnSpc>
+              <a:buNone/>
+            </a:pPr>
+            <a:r>
+              <a:rPr lang="en-US" sz="2200">
+                <a:solidFill>
+                  <a:srgbClr val="808080"/>
+                </a:solidFill>
+                <a:latin typeface="Prata" pitchFamily="34" charset="0"/>
+                <a:ea typeface="Prata" pitchFamily="34" charset="-122"/>
+                <a:cs typeface="Prata" pitchFamily="34" charset="-120"/>
+              </a:rPr>
+              <a:t>IWC008</a:t>
+            </a:r>
             <a:endParaRPr lang="en-US" sz="2200" dirty="0"/>
           </a:p>
         </p:txBody>
@@ -3560,6 +3661,13 @@
           </a:solidFill>
           <a:ln/>
         </p:spPr>
+        <p:txBody>
+          <a:bodyPr/>
+          <a:lstStyle/>
+          <a:p>
+            <a:endParaRPr lang="en-IN"/>
+          </a:p>
+        </p:txBody>
       </p:sp>
       <p:pic>
         <p:nvPicPr>
@@ -3732,6 +3840,13 @@
           </a:solidFill>
           <a:ln/>
         </p:spPr>
+        <p:txBody>
+          <a:bodyPr/>
+          <a:lstStyle/>
+          <a:p>
+            <a:endParaRPr lang="en-IN"/>
+          </a:p>
+        </p:txBody>
       </p:sp>
       <p:pic>
         <p:nvPicPr>
@@ -3904,6 +4019,13 @@
           </a:solidFill>
           <a:ln/>
         </p:spPr>
+        <p:txBody>
+          <a:bodyPr/>
+          <a:lstStyle/>
+          <a:p>
+            <a:endParaRPr lang="en-IN"/>
+          </a:p>
+        </p:txBody>
       </p:sp>
       <p:pic>
         <p:nvPicPr>
@@ -4826,6 +4948,13 @@
           </a:solidFill>
           <a:ln/>
         </p:spPr>
+        <p:txBody>
+          <a:bodyPr/>
+          <a:lstStyle/>
+          <a:p>
+            <a:endParaRPr lang="en-IN"/>
+          </a:p>
+        </p:txBody>
       </p:sp>
       <p:sp>
         <p:nvSpPr>
@@ -5237,6 +5366,13 @@
           </a:solidFill>
           <a:ln/>
         </p:spPr>
+        <p:txBody>
+          <a:bodyPr/>
+          <a:lstStyle/>
+          <a:p>
+            <a:endParaRPr lang="en-IN"/>
+          </a:p>
+        </p:txBody>
       </p:sp>
       <p:sp>
         <p:nvSpPr>
@@ -5969,6 +6105,13 @@
           </a:solidFill>
           <a:ln/>
         </p:spPr>
+        <p:txBody>
+          <a:bodyPr/>
+          <a:lstStyle/>
+          <a:p>
+            <a:endParaRPr lang="en-IN"/>
+          </a:p>
+        </p:txBody>
       </p:sp>
       <p:sp>
         <p:nvSpPr>
@@ -6075,6 +6218,13 @@
           </a:solidFill>
           <a:ln/>
         </p:spPr>
+        <p:txBody>
+          <a:bodyPr/>
+          <a:lstStyle/>
+          <a:p>
+            <a:endParaRPr lang="en-IN"/>
+          </a:p>
+        </p:txBody>
       </p:sp>
       <p:sp>
         <p:nvSpPr>
@@ -6181,6 +6331,13 @@
           </a:solidFill>
           <a:ln/>
         </p:spPr>
+        <p:txBody>
+          <a:bodyPr/>
+          <a:lstStyle/>
+          <a:p>
+            <a:endParaRPr lang="en-IN"/>
+          </a:p>
+        </p:txBody>
       </p:sp>
       <p:sp>
         <p:nvSpPr>
@@ -6287,6 +6444,13 @@
           </a:solidFill>
           <a:ln/>
         </p:spPr>
+        <p:txBody>
+          <a:bodyPr/>
+          <a:lstStyle/>
+          <a:p>
+            <a:endParaRPr lang="en-IN"/>
+          </a:p>
+        </p:txBody>
       </p:sp>
       <p:sp>
         <p:nvSpPr>
@@ -6393,6 +6557,13 @@
           </a:solidFill>
           <a:ln/>
         </p:spPr>
+        <p:txBody>
+          <a:bodyPr/>
+          <a:lstStyle/>
+          <a:p>
+            <a:endParaRPr lang="en-IN"/>
+          </a:p>
+        </p:txBody>
       </p:sp>
       <p:sp>
         <p:nvSpPr>
@@ -6521,6 +6692,13 @@
           </a:solidFill>
           <a:ln/>
         </p:spPr>
+        <p:txBody>
+          <a:bodyPr/>
+          <a:lstStyle/>
+          <a:p>
+            <a:endParaRPr lang="en-IN"/>
+          </a:p>
+        </p:txBody>
       </p:sp>
       <p:sp>
         <p:nvSpPr>
@@ -7468,6 +7646,13 @@
           </a:solidFill>
           <a:ln/>
         </p:spPr>
+        <p:txBody>
+          <a:bodyPr/>
+          <a:lstStyle/>
+          <a:p>
+            <a:endParaRPr lang="en-IN"/>
+          </a:p>
+        </p:txBody>
       </p:sp>
       <p:sp>
         <p:nvSpPr>
@@ -7490,6 +7675,13 @@
           </a:solidFill>
           <a:ln/>
         </p:spPr>
+        <p:txBody>
+          <a:bodyPr/>
+          <a:lstStyle/>
+          <a:p>
+            <a:endParaRPr lang="en-IN"/>
+          </a:p>
+        </p:txBody>
       </p:sp>
       <p:sp>
         <p:nvSpPr>
@@ -7512,6 +7704,13 @@
           </a:solidFill>
           <a:ln/>
         </p:spPr>
+        <p:txBody>
+          <a:bodyPr/>
+          <a:lstStyle/>
+          <a:p>
+            <a:endParaRPr lang="en-IN"/>
+          </a:p>
+        </p:txBody>
       </p:sp>
       <p:sp>
         <p:nvSpPr>
@@ -7660,6 +7859,13 @@
           </a:solidFill>
           <a:ln/>
         </p:spPr>
+        <p:txBody>
+          <a:bodyPr/>
+          <a:lstStyle/>
+          <a:p>
+            <a:endParaRPr lang="en-IN"/>
+          </a:p>
+        </p:txBody>
       </p:sp>
       <p:sp>
         <p:nvSpPr>
@@ -7682,6 +7888,13 @@
           </a:solidFill>
           <a:ln/>
         </p:spPr>
+        <p:txBody>
+          <a:bodyPr/>
+          <a:lstStyle/>
+          <a:p>
+            <a:endParaRPr lang="en-IN"/>
+          </a:p>
+        </p:txBody>
       </p:sp>
       <p:sp>
         <p:nvSpPr>
@@ -7830,6 +8043,13 @@
           </a:solidFill>
           <a:ln/>
         </p:spPr>
+        <p:txBody>
+          <a:bodyPr/>
+          <a:lstStyle/>
+          <a:p>
+            <a:endParaRPr lang="en-IN"/>
+          </a:p>
+        </p:txBody>
       </p:sp>
       <p:sp>
         <p:nvSpPr>
@@ -7852,6 +8072,13 @@
           </a:solidFill>
           <a:ln/>
         </p:spPr>
+        <p:txBody>
+          <a:bodyPr/>
+          <a:lstStyle/>
+          <a:p>
+            <a:endParaRPr lang="en-IN"/>
+          </a:p>
+        </p:txBody>
       </p:sp>
       <p:sp>
         <p:nvSpPr>
@@ -8000,6 +8227,13 @@
           </a:solidFill>
           <a:ln/>
         </p:spPr>
+        <p:txBody>
+          <a:bodyPr/>
+          <a:lstStyle/>
+          <a:p>
+            <a:endParaRPr lang="en-IN"/>
+          </a:p>
+        </p:txBody>
       </p:sp>
       <p:sp>
         <p:nvSpPr>
@@ -8022,6 +8256,13 @@
           </a:solidFill>
           <a:ln/>
         </p:spPr>
+        <p:txBody>
+          <a:bodyPr/>
+          <a:lstStyle/>
+          <a:p>
+            <a:endParaRPr lang="en-IN"/>
+          </a:p>
+        </p:txBody>
       </p:sp>
       <p:sp>
         <p:nvSpPr>
@@ -8170,6 +8411,13 @@
           </a:solidFill>
           <a:ln/>
         </p:spPr>
+        <p:txBody>
+          <a:bodyPr/>
+          <a:lstStyle/>
+          <a:p>
+            <a:endParaRPr lang="en-IN"/>
+          </a:p>
+        </p:txBody>
       </p:sp>
       <p:sp>
         <p:nvSpPr>
@@ -8192,6 +8440,13 @@
           </a:solidFill>
           <a:ln/>
         </p:spPr>
+        <p:txBody>
+          <a:bodyPr/>
+          <a:lstStyle/>
+          <a:p>
+            <a:endParaRPr lang="en-IN"/>
+          </a:p>
+        </p:txBody>
       </p:sp>
       <p:sp>
         <p:nvSpPr>
